--- a/PPTs/L0 course overview.pptx
+++ b/PPTs/L0 course overview.pptx
@@ -144,106 +144,23 @@
 <pc:chgInfo xmlns:a="http://schemas.openxmlformats.org/drawingml/2006/main" xmlns:r="http://schemas.openxmlformats.org/officeDocument/2006/relationships" xmlns:ac="http://schemas.microsoft.com/office/drawing/2013/main/command" xmlns:pc="http://schemas.microsoft.com/office/powerpoint/2013/main/command">
   <pc:docChgLst>
     <pc:chgData name="Zonghua Gu" userId="9a7e1853e1951ef5" providerId="LiveId" clId="{CF1FAA12-072C-4ED5-BA76-0FFFAEFDB88A}"/>
-    <pc:docChg chg="undo custSel modSld">
-      <pc:chgData name="Zonghua Gu" userId="9a7e1853e1951ef5" providerId="LiveId" clId="{CF1FAA12-072C-4ED5-BA76-0FFFAEFDB88A}" dt="2025-09-02T21:58:37.059" v="203" actId="27636"/>
+    <pc:docChg chg="modSld">
+      <pc:chgData name="Zonghua Gu" userId="9a7e1853e1951ef5" providerId="LiveId" clId="{CF1FAA12-072C-4ED5-BA76-0FFFAEFDB88A}" dt="2025-09-03T14:32:40.301" v="10" actId="20577"/>
       <pc:docMkLst>
         <pc:docMk/>
       </pc:docMkLst>
       <pc:sldChg chg="modSp mod">
-        <pc:chgData name="Zonghua Gu" userId="9a7e1853e1951ef5" providerId="LiveId" clId="{CF1FAA12-072C-4ED5-BA76-0FFFAEFDB88A}" dt="2025-09-02T17:30:12.780" v="2" actId="20577"/>
+        <pc:chgData name="Zonghua Gu" userId="9a7e1853e1951ef5" providerId="LiveId" clId="{CF1FAA12-072C-4ED5-BA76-0FFFAEFDB88A}" dt="2025-09-03T14:32:40.301" v="10" actId="20577"/>
         <pc:sldMkLst>
           <pc:docMk/>
           <pc:sldMk cId="1214756730" sldId="256"/>
         </pc:sldMkLst>
         <pc:spChg chg="mod">
-          <ac:chgData name="Zonghua Gu" userId="9a7e1853e1951ef5" providerId="LiveId" clId="{CF1FAA12-072C-4ED5-BA76-0FFFAEFDB88A}" dt="2025-09-02T17:30:12.780" v="2" actId="20577"/>
+          <ac:chgData name="Zonghua Gu" userId="9a7e1853e1951ef5" providerId="LiveId" clId="{CF1FAA12-072C-4ED5-BA76-0FFFAEFDB88A}" dt="2025-09-03T14:32:40.301" v="10" actId="20577"/>
           <ac:spMkLst>
             <pc:docMk/>
             <pc:sldMk cId="1214756730" sldId="256"/>
-            <ac:spMk id="2" creationId="{00000000-0000-0000-0000-000000000000}"/>
-          </ac:spMkLst>
-        </pc:spChg>
-      </pc:sldChg>
-      <pc:sldChg chg="modSp mod">
-        <pc:chgData name="Zonghua Gu" userId="9a7e1853e1951ef5" providerId="LiveId" clId="{CF1FAA12-072C-4ED5-BA76-0FFFAEFDB88A}" dt="2025-09-02T17:58:45.391" v="64" actId="20577"/>
-        <pc:sldMkLst>
-          <pc:docMk/>
-          <pc:sldMk cId="155059883" sldId="261"/>
-        </pc:sldMkLst>
-        <pc:spChg chg="mod">
-          <ac:chgData name="Zonghua Gu" userId="9a7e1853e1951ef5" providerId="LiveId" clId="{CF1FAA12-072C-4ED5-BA76-0FFFAEFDB88A}" dt="2025-09-02T17:58:45.391" v="64" actId="20577"/>
-          <ac:spMkLst>
-            <pc:docMk/>
-            <pc:sldMk cId="155059883" sldId="261"/>
             <ac:spMk id="3" creationId="{00000000-0000-0000-0000-000000000000}"/>
-          </ac:spMkLst>
-        </pc:spChg>
-      </pc:sldChg>
-      <pc:sldChg chg="modSp mod">
-        <pc:chgData name="Zonghua Gu" userId="9a7e1853e1951ef5" providerId="LiveId" clId="{CF1FAA12-072C-4ED5-BA76-0FFFAEFDB88A}" dt="2025-09-02T17:52:55.351" v="59" actId="20577"/>
-        <pc:sldMkLst>
-          <pc:docMk/>
-          <pc:sldMk cId="3772300189" sldId="263"/>
-        </pc:sldMkLst>
-        <pc:spChg chg="mod">
-          <ac:chgData name="Zonghua Gu" userId="9a7e1853e1951ef5" providerId="LiveId" clId="{CF1FAA12-072C-4ED5-BA76-0FFFAEFDB88A}" dt="2025-09-02T17:52:55.351" v="59" actId="20577"/>
-          <ac:spMkLst>
-            <pc:docMk/>
-            <pc:sldMk cId="3772300189" sldId="263"/>
-            <ac:spMk id="10" creationId="{4485C2FC-F760-8450-0E62-F59CB3DFE20C}"/>
-          </ac:spMkLst>
-        </pc:spChg>
-      </pc:sldChg>
-      <pc:sldChg chg="modSp mod">
-        <pc:chgData name="Zonghua Gu" userId="9a7e1853e1951ef5" providerId="LiveId" clId="{CF1FAA12-072C-4ED5-BA76-0FFFAEFDB88A}" dt="2025-09-02T21:40:40.157" v="89" actId="6549"/>
-        <pc:sldMkLst>
-          <pc:docMk/>
-          <pc:sldMk cId="52125225" sldId="264"/>
-        </pc:sldMkLst>
-        <pc:spChg chg="mod">
-          <ac:chgData name="Zonghua Gu" userId="9a7e1853e1951ef5" providerId="LiveId" clId="{CF1FAA12-072C-4ED5-BA76-0FFFAEFDB88A}" dt="2025-09-02T21:40:40.157" v="89" actId="6549"/>
-          <ac:spMkLst>
-            <pc:docMk/>
-            <pc:sldMk cId="52125225" sldId="264"/>
-            <ac:spMk id="3" creationId="{00000000-0000-0000-0000-000000000000}"/>
-          </ac:spMkLst>
-        </pc:spChg>
-      </pc:sldChg>
-      <pc:sldChg chg="addSp modSp mod">
-        <pc:chgData name="Zonghua Gu" userId="9a7e1853e1951ef5" providerId="LiveId" clId="{CF1FAA12-072C-4ED5-BA76-0FFFAEFDB88A}" dt="2025-09-02T21:58:37.059" v="203" actId="27636"/>
-        <pc:sldMkLst>
-          <pc:docMk/>
-          <pc:sldMk cId="178653079" sldId="265"/>
-        </pc:sldMkLst>
-        <pc:spChg chg="mod">
-          <ac:chgData name="Zonghua Gu" userId="9a7e1853e1951ef5" providerId="LiveId" clId="{CF1FAA12-072C-4ED5-BA76-0FFFAEFDB88A}" dt="2025-09-02T21:58:37.059" v="203" actId="27636"/>
-          <ac:spMkLst>
-            <pc:docMk/>
-            <pc:sldMk cId="178653079" sldId="265"/>
-            <ac:spMk id="3" creationId="{4C753F46-04DC-0E7F-B563-1C508D6328EA}"/>
-          </ac:spMkLst>
-        </pc:spChg>
-        <pc:picChg chg="add mod">
-          <ac:chgData name="Zonghua Gu" userId="9a7e1853e1951ef5" providerId="LiveId" clId="{CF1FAA12-072C-4ED5-BA76-0FFFAEFDB88A}" dt="2025-09-02T21:58:35.084" v="201" actId="1076"/>
-          <ac:picMkLst>
-            <pc:docMk/>
-            <pc:sldMk cId="178653079" sldId="265"/>
-            <ac:picMk id="5" creationId="{00E9B9D0-311E-9EDE-51A1-F6D9200274AE}"/>
-          </ac:picMkLst>
-        </pc:picChg>
-      </pc:sldChg>
-      <pc:sldChg chg="modSp mod">
-        <pc:chgData name="Zonghua Gu" userId="9a7e1853e1951ef5" providerId="LiveId" clId="{CF1FAA12-072C-4ED5-BA76-0FFFAEFDB88A}" dt="2025-09-02T21:41:33.090" v="195" actId="20577"/>
-        <pc:sldMkLst>
-          <pc:docMk/>
-          <pc:sldMk cId="3623278074" sldId="266"/>
-        </pc:sldMkLst>
-        <pc:spChg chg="mod">
-          <ac:chgData name="Zonghua Gu" userId="9a7e1853e1951ef5" providerId="LiveId" clId="{CF1FAA12-072C-4ED5-BA76-0FFFAEFDB88A}" dt="2025-09-02T21:41:33.090" v="195" actId="20577"/>
-          <ac:spMkLst>
-            <pc:docMk/>
-            <pc:sldMk cId="3623278074" sldId="266"/>
-            <ac:spMk id="3" creationId="{73B5D58E-C189-E68D-1A4E-DF494F94B82C}"/>
           </ac:spMkLst>
         </pc:spChg>
       </pc:sldChg>
@@ -334,7 +251,7 @@
           <a:p>
             <a:fld id="{42A0EB13-15AA-4F17-85B5-7D7BBF18EB40}" type="datetimeFigureOut">
               <a:rPr lang="en-SE" smtClean="0"/>
-              <a:t>09/02/2025</a:t>
+              <a:t>09/03/2025</a:t>
             </a:fld>
             <a:endParaRPr lang="en-SE"/>
           </a:p>
@@ -1071,7 +988,7 @@
           <a:p>
             <a:fld id="{FB221443-D73C-634A-A910-7320408C156D}" type="datetimeFigureOut">
               <a:rPr lang="en-US" smtClean="0"/>
-              <a:t>9/2/2025</a:t>
+              <a:t>9/3/2025</a:t>
             </a:fld>
             <a:endParaRPr lang="en-US"/>
           </a:p>
@@ -1241,7 +1158,7 @@
           <a:p>
             <a:fld id="{FB221443-D73C-634A-A910-7320408C156D}" type="datetimeFigureOut">
               <a:rPr lang="en-US" smtClean="0"/>
-              <a:t>9/2/2025</a:t>
+              <a:t>9/3/2025</a:t>
             </a:fld>
             <a:endParaRPr lang="en-US"/>
           </a:p>
@@ -1421,7 +1338,7 @@
           <a:p>
             <a:fld id="{FB221443-D73C-634A-A910-7320408C156D}" type="datetimeFigureOut">
               <a:rPr lang="en-US" smtClean="0"/>
-              <a:t>9/2/2025</a:t>
+              <a:t>9/3/2025</a:t>
             </a:fld>
             <a:endParaRPr lang="en-US"/>
           </a:p>
@@ -1591,7 +1508,7 @@
           <a:p>
             <a:fld id="{FB221443-D73C-634A-A910-7320408C156D}" type="datetimeFigureOut">
               <a:rPr lang="en-US" smtClean="0"/>
-              <a:t>9/2/2025</a:t>
+              <a:t>9/3/2025</a:t>
             </a:fld>
             <a:endParaRPr lang="en-US"/>
           </a:p>
@@ -1837,7 +1754,7 @@
           <a:p>
             <a:fld id="{FB221443-D73C-634A-A910-7320408C156D}" type="datetimeFigureOut">
               <a:rPr lang="en-US" smtClean="0"/>
-              <a:t>9/2/2025</a:t>
+              <a:t>9/3/2025</a:t>
             </a:fld>
             <a:endParaRPr lang="en-US"/>
           </a:p>
@@ -2125,7 +2042,7 @@
           <a:p>
             <a:fld id="{FB221443-D73C-634A-A910-7320408C156D}" type="datetimeFigureOut">
               <a:rPr lang="en-US" smtClean="0"/>
-              <a:t>9/2/2025</a:t>
+              <a:t>9/3/2025</a:t>
             </a:fld>
             <a:endParaRPr lang="en-US"/>
           </a:p>
@@ -2547,7 +2464,7 @@
           <a:p>
             <a:fld id="{FB221443-D73C-634A-A910-7320408C156D}" type="datetimeFigureOut">
               <a:rPr lang="en-US" smtClean="0"/>
-              <a:t>9/2/2025</a:t>
+              <a:t>9/3/2025</a:t>
             </a:fld>
             <a:endParaRPr lang="en-US"/>
           </a:p>
@@ -2665,7 +2582,7 @@
           <a:p>
             <a:fld id="{FB221443-D73C-634A-A910-7320408C156D}" type="datetimeFigureOut">
               <a:rPr lang="en-US" smtClean="0"/>
-              <a:t>9/2/2025</a:t>
+              <a:t>9/3/2025</a:t>
             </a:fld>
             <a:endParaRPr lang="en-US"/>
           </a:p>
@@ -2760,7 +2677,7 @@
           <a:p>
             <a:fld id="{FB221443-D73C-634A-A910-7320408C156D}" type="datetimeFigureOut">
               <a:rPr lang="en-US" smtClean="0"/>
-              <a:t>9/2/2025</a:t>
+              <a:t>9/3/2025</a:t>
             </a:fld>
             <a:endParaRPr lang="en-US"/>
           </a:p>
@@ -3037,7 +2954,7 @@
           <a:p>
             <a:fld id="{FB221443-D73C-634A-A910-7320408C156D}" type="datetimeFigureOut">
               <a:rPr lang="en-US" smtClean="0"/>
-              <a:t>9/2/2025</a:t>
+              <a:t>9/3/2025</a:t>
             </a:fld>
             <a:endParaRPr lang="en-US"/>
           </a:p>
@@ -3290,7 +3207,7 @@
           <a:p>
             <a:fld id="{FB221443-D73C-634A-A910-7320408C156D}" type="datetimeFigureOut">
               <a:rPr lang="en-US" smtClean="0"/>
-              <a:t>9/2/2025</a:t>
+              <a:t>9/3/2025</a:t>
             </a:fld>
             <a:endParaRPr lang="en-US"/>
           </a:p>
@@ -3503,7 +3420,7 @@
           <a:p>
             <a:fld id="{FB221443-D73C-634A-A910-7320408C156D}" type="datetimeFigureOut">
               <a:rPr lang="en-US" smtClean="0"/>
-              <a:t>9/2/2025</a:t>
+              <a:t>9/3/2025</a:t>
             </a:fld>
             <a:endParaRPr lang="en-US"/>
           </a:p>
@@ -3997,7 +3914,17 @@
           <a:lstStyle/>
           <a:p>
             <a:r>
-              <a:rPr lang="en-US" sz="2000">
+              <a:rPr lang="en-US" sz="2000" dirty="0">
+                <a:solidFill>
+                  <a:schemeClr val="tx1"/>
+                </a:solidFill>
+              </a:rPr>
+              <a:t>Zonghua Gu</a:t>
+            </a:r>
+          </a:p>
+          <a:p>
+            <a:r>
+              <a:rPr lang="en-US" sz="2000" dirty="0">
                 <a:solidFill>
                   <a:schemeClr val="tx1"/>
                 </a:solidFill>
@@ -4527,10 +4454,15 @@
             <p:ph idx="1"/>
           </p:nvPr>
         </p:nvSpPr>
-        <p:spPr/>
+        <p:spPr>
+          <a:xfrm>
+            <a:off x="457200" y="1494504"/>
+            <a:ext cx="8229600" cy="4631660"/>
+          </a:xfrm>
+        </p:spPr>
         <p:txBody>
           <a:bodyPr>
-            <a:normAutofit/>
+            <a:normAutofit fontScale="70000" lnSpcReduction="20000"/>
           </a:bodyPr>
           <a:lstStyle/>
           <a:p>
@@ -4589,7 +4521,125 @@
                 <a:spcPct val="130000"/>
               </a:lnSpc>
             </a:pPr>
-            <a:endParaRPr lang="en-US" dirty="0"/>
+            <a:r>
+              <a:rPr lang="en-US" dirty="0"/>
+              <a:t>Tentative Topics (subject to change) </a:t>
+            </a:r>
+          </a:p>
+          <a:p>
+            <a:pPr lvl="1" fontAlgn="base">
+              <a:lnSpc>
+                <a:spcPct val="130000"/>
+              </a:lnSpc>
+            </a:pPr>
+            <a:r>
+              <a:rPr lang="en-US" dirty="0"/>
+              <a:t>Introduction to load/store computation model </a:t>
+            </a:r>
+          </a:p>
+          <a:p>
+            <a:pPr lvl="1" fontAlgn="base">
+              <a:lnSpc>
+                <a:spcPct val="130000"/>
+              </a:lnSpc>
+            </a:pPr>
+            <a:r>
+              <a:rPr lang="en-US" dirty="0"/>
+              <a:t>Data representation, carry &amp; overflow </a:t>
+            </a:r>
+          </a:p>
+          <a:p>
+            <a:pPr lvl="1" fontAlgn="base">
+              <a:lnSpc>
+                <a:spcPct val="130000"/>
+              </a:lnSpc>
+            </a:pPr>
+            <a:r>
+              <a:rPr lang="en-US" dirty="0"/>
+              <a:t>Memory addressing, endianness, data alignment </a:t>
+            </a:r>
+          </a:p>
+          <a:p>
+            <a:pPr lvl="1" fontAlgn="base">
+              <a:lnSpc>
+                <a:spcPct val="130000"/>
+              </a:lnSpc>
+            </a:pPr>
+            <a:r>
+              <a:rPr lang="en-US" dirty="0"/>
+              <a:t>Fixed-point arithmetic implementation </a:t>
+            </a:r>
+          </a:p>
+          <a:p>
+            <a:pPr lvl="1" fontAlgn="base">
+              <a:lnSpc>
+                <a:spcPct val="130000"/>
+              </a:lnSpc>
+            </a:pPr>
+            <a:r>
+              <a:rPr lang="en-US" dirty="0"/>
+              <a:t>ARM assembly instructions: arithmetic and logic operations, memory I/</a:t>
+            </a:r>
+            <a:r>
+              <a:rPr lang="en-US" dirty="0" err="1"/>
+              <a:t>Os</a:t>
+            </a:r>
+            <a:r>
+              <a:rPr lang="en-US" dirty="0"/>
+              <a:t>, and flow control </a:t>
+            </a:r>
+          </a:p>
+          <a:p>
+            <a:pPr lvl="1" fontAlgn="base">
+              <a:lnSpc>
+                <a:spcPct val="130000"/>
+              </a:lnSpc>
+            </a:pPr>
+            <a:r>
+              <a:rPr lang="en-US" dirty="0"/>
+              <a:t>Subroutines: three approaches to pass parameters via reference, registers and stack in ARM  assembly </a:t>
+            </a:r>
+          </a:p>
+          <a:p>
+            <a:pPr lvl="1" fontAlgn="base">
+              <a:lnSpc>
+                <a:spcPct val="130000"/>
+              </a:lnSpc>
+            </a:pPr>
+            <a:r>
+              <a:rPr lang="en-US" dirty="0"/>
+              <a:t>Mixing C and ARM assembly:  C codes call assembly codes, and assembly codes call C codes. </a:t>
+            </a:r>
+          </a:p>
+          <a:p>
+            <a:pPr lvl="1" fontAlgn="base">
+              <a:lnSpc>
+                <a:spcPct val="130000"/>
+              </a:lnSpc>
+            </a:pPr>
+            <a:r>
+              <a:rPr lang="en-US" dirty="0"/>
+              <a:t>Hardware and software Interrupts, and interrupt service routine </a:t>
+            </a:r>
+          </a:p>
+          <a:p>
+            <a:pPr lvl="1" fontAlgn="base">
+              <a:lnSpc>
+                <a:spcPct val="130000"/>
+              </a:lnSpc>
+            </a:pPr>
+            <a:r>
+              <a:rPr lang="en-US" dirty="0"/>
+              <a:t>Interfacing to general-purpose I/</a:t>
+            </a:r>
+            <a:r>
+              <a:rPr lang="en-US" dirty="0" err="1"/>
+              <a:t>Os</a:t>
+            </a:r>
+            <a:r>
+              <a:rPr lang="en-US" dirty="0"/>
+              <a:t>, programming timer module to perform input capture and  output compare </a:t>
+            </a:r>
           </a:p>
         </p:txBody>
       </p:sp>
